--- a/TimeSheetsBot-DevScope-TeamsChallenge2018.pptx
+++ b/TimeSheetsBot-DevScope-TeamsChallenge2018.pptx
@@ -6,7 +6,7 @@
     <p:sldMasterId id="2147483663" r:id="rId2"/>
   </p:sldMasterIdLst>
   <p:notesMasterIdLst>
-    <p:notesMasterId r:id="rId24"/>
+    <p:notesMasterId r:id="rId27"/>
   </p:notesMasterIdLst>
   <p:sldIdLst>
     <p:sldId id="508" r:id="rId3"/>
@@ -30,6 +30,9 @@
     <p:sldId id="503" r:id="rId21"/>
     <p:sldId id="447" r:id="rId22"/>
     <p:sldId id="456" r:id="rId23"/>
+    <p:sldId id="509" r:id="rId24"/>
+    <p:sldId id="511" r:id="rId25"/>
+    <p:sldId id="512" r:id="rId26"/>
   </p:sldIdLst>
   <p:sldSz cx="12192000" cy="6858000"/>
   <p:notesSz cx="6858000" cy="9144000"/>
@@ -154,6 +157,9 @@
             <p14:sldId id="503"/>
             <p14:sldId id="447"/>
             <p14:sldId id="456"/>
+            <p14:sldId id="509"/>
+            <p14:sldId id="511"/>
+            <p14:sldId id="512"/>
           </p14:sldIdLst>
         </p14:section>
       </p14:sectionLst>
@@ -4828,6 +4834,269 @@
 </p:notes>
 </file>
 
+<file path=ppt/notesSlides/notesSlide20.xml><?xml version="1.0" encoding="utf-8"?>
+<p:notes xmlns:a="http://schemas.openxmlformats.org/drawingml/2006/main" xmlns:r="http://schemas.openxmlformats.org/officeDocument/2006/relationships" xmlns:p="http://schemas.openxmlformats.org/presentationml/2006/main">
+  <p:cSld>
+    <p:spTree>
+      <p:nvGrpSpPr>
+        <p:cNvPr id="1" name=""/>
+        <p:cNvGrpSpPr/>
+        <p:nvPr/>
+      </p:nvGrpSpPr>
+      <p:grpSpPr>
+        <a:xfrm>
+          <a:off x="0" y="0"/>
+          <a:ext cx="0" cy="0"/>
+          <a:chOff x="0" y="0"/>
+          <a:chExt cx="0" cy="0"/>
+        </a:xfrm>
+      </p:grpSpPr>
+      <p:sp>
+        <p:nvSpPr>
+          <p:cNvPr id="2" name="Slide Image Placeholder 1"/>
+          <p:cNvSpPr>
+            <a:spLocks noGrp="1" noRot="1" noChangeAspect="1"/>
+          </p:cNvSpPr>
+          <p:nvPr>
+            <p:ph type="sldImg"/>
+          </p:nvPr>
+        </p:nvSpPr>
+        <p:spPr/>
+      </p:sp>
+      <p:sp>
+        <p:nvSpPr>
+          <p:cNvPr id="3" name="Notes Placeholder 2"/>
+          <p:cNvSpPr>
+            <a:spLocks noGrp="1"/>
+          </p:cNvSpPr>
+          <p:nvPr>
+            <p:ph type="body" idx="1"/>
+          </p:nvPr>
+        </p:nvSpPr>
+        <p:spPr/>
+        <p:txBody>
+          <a:bodyPr/>
+          <a:lstStyle/>
+          <a:p>
+            <a:r>
+              <a:rPr lang="en-US" dirty="0"/>
+              <a:t>[2s]</a:t>
+            </a:r>
+          </a:p>
+        </p:txBody>
+      </p:sp>
+      <p:sp>
+        <p:nvSpPr>
+          <p:cNvPr id="4" name="Slide Number Placeholder 3"/>
+          <p:cNvSpPr>
+            <a:spLocks noGrp="1"/>
+          </p:cNvSpPr>
+          <p:nvPr>
+            <p:ph type="sldNum" sz="quarter" idx="10"/>
+          </p:nvPr>
+        </p:nvSpPr>
+        <p:spPr/>
+        <p:txBody>
+          <a:bodyPr/>
+          <a:lstStyle/>
+          <a:p>
+            <a:fld id="{01283FAC-A721-45A3-BBDE-EAF2B09B7CD9}" type="slidenum">
+              <a:rPr lang="en-US" smtClean="0"/>
+              <a:t>22</a:t>
+            </a:fld>
+            <a:endParaRPr lang="en-US"/>
+          </a:p>
+        </p:txBody>
+      </p:sp>
+    </p:spTree>
+    <p:extLst>
+      <p:ext uri="{BB962C8B-B14F-4D97-AF65-F5344CB8AC3E}">
+        <p14:creationId xmlns:p14="http://schemas.microsoft.com/office/powerpoint/2010/main" val="2126888572"/>
+      </p:ext>
+    </p:extLst>
+  </p:cSld>
+  <p:clrMapOvr>
+    <a:masterClrMapping/>
+  </p:clrMapOvr>
+</p:notes>
+</file>
+
+<file path=ppt/notesSlides/notesSlide21.xml><?xml version="1.0" encoding="utf-8"?>
+<p:notes xmlns:a="http://schemas.openxmlformats.org/drawingml/2006/main" xmlns:r="http://schemas.openxmlformats.org/officeDocument/2006/relationships" xmlns:p="http://schemas.openxmlformats.org/presentationml/2006/main">
+  <p:cSld>
+    <p:spTree>
+      <p:nvGrpSpPr>
+        <p:cNvPr id="1" name=""/>
+        <p:cNvGrpSpPr/>
+        <p:nvPr/>
+      </p:nvGrpSpPr>
+      <p:grpSpPr>
+        <a:xfrm>
+          <a:off x="0" y="0"/>
+          <a:ext cx="0" cy="0"/>
+          <a:chOff x="0" y="0"/>
+          <a:chExt cx="0" cy="0"/>
+        </a:xfrm>
+      </p:grpSpPr>
+      <p:sp>
+        <p:nvSpPr>
+          <p:cNvPr id="2" name="Marcador de Posição da Imagem do Diapositivo 1"/>
+          <p:cNvSpPr>
+            <a:spLocks noGrp="1" noRot="1" noChangeAspect="1"/>
+          </p:cNvSpPr>
+          <p:nvPr>
+            <p:ph type="sldImg"/>
+          </p:nvPr>
+        </p:nvSpPr>
+        <p:spPr/>
+      </p:sp>
+      <p:sp>
+        <p:nvSpPr>
+          <p:cNvPr id="3" name="Marcador de Posição de Notas 2"/>
+          <p:cNvSpPr>
+            <a:spLocks noGrp="1"/>
+          </p:cNvSpPr>
+          <p:nvPr>
+            <p:ph type="body" idx="1"/>
+          </p:nvPr>
+        </p:nvSpPr>
+        <p:spPr/>
+        <p:txBody>
+          <a:bodyPr/>
+          <a:lstStyle/>
+          <a:p>
+            <a:r>
+              <a:rPr lang="en-US" dirty="0"/>
+              <a:t>[60s]</a:t>
+            </a:r>
+            <a:endParaRPr lang="pt-PT" dirty="0"/>
+          </a:p>
+        </p:txBody>
+      </p:sp>
+      <p:sp>
+        <p:nvSpPr>
+          <p:cNvPr id="4" name="Marcador de Posição do Número do Diapositivo 3"/>
+          <p:cNvSpPr>
+            <a:spLocks noGrp="1"/>
+          </p:cNvSpPr>
+          <p:nvPr>
+            <p:ph type="sldNum" sz="quarter" idx="5"/>
+          </p:nvPr>
+        </p:nvSpPr>
+        <p:spPr/>
+        <p:txBody>
+          <a:bodyPr/>
+          <a:lstStyle/>
+          <a:p>
+            <a:fld id="{01283FAC-A721-45A3-BBDE-EAF2B09B7CD9}" type="slidenum">
+              <a:rPr lang="en-US" smtClean="0"/>
+              <a:t>23</a:t>
+            </a:fld>
+            <a:endParaRPr lang="en-US"/>
+          </a:p>
+        </p:txBody>
+      </p:sp>
+    </p:spTree>
+    <p:extLst>
+      <p:ext uri="{BB962C8B-B14F-4D97-AF65-F5344CB8AC3E}">
+        <p14:creationId xmlns:p14="http://schemas.microsoft.com/office/powerpoint/2010/main" val="2682389337"/>
+      </p:ext>
+    </p:extLst>
+  </p:cSld>
+  <p:clrMapOvr>
+    <a:masterClrMapping/>
+  </p:clrMapOvr>
+</p:notes>
+</file>
+
+<file path=ppt/notesSlides/notesSlide22.xml><?xml version="1.0" encoding="utf-8"?>
+<p:notes xmlns:a="http://schemas.openxmlformats.org/drawingml/2006/main" xmlns:r="http://schemas.openxmlformats.org/officeDocument/2006/relationships" xmlns:p="http://schemas.openxmlformats.org/presentationml/2006/main">
+  <p:cSld>
+    <p:spTree>
+      <p:nvGrpSpPr>
+        <p:cNvPr id="1" name=""/>
+        <p:cNvGrpSpPr/>
+        <p:nvPr/>
+      </p:nvGrpSpPr>
+      <p:grpSpPr>
+        <a:xfrm>
+          <a:off x="0" y="0"/>
+          <a:ext cx="0" cy="0"/>
+          <a:chOff x="0" y="0"/>
+          <a:chExt cx="0" cy="0"/>
+        </a:xfrm>
+      </p:grpSpPr>
+      <p:sp>
+        <p:nvSpPr>
+          <p:cNvPr id="2" name="Marcador de Posição da Imagem do Diapositivo 1"/>
+          <p:cNvSpPr>
+            <a:spLocks noGrp="1" noRot="1" noChangeAspect="1"/>
+          </p:cNvSpPr>
+          <p:nvPr>
+            <p:ph type="sldImg"/>
+          </p:nvPr>
+        </p:nvSpPr>
+        <p:spPr/>
+      </p:sp>
+      <p:sp>
+        <p:nvSpPr>
+          <p:cNvPr id="3" name="Marcador de Posição de Notas 2"/>
+          <p:cNvSpPr>
+            <a:spLocks noGrp="1"/>
+          </p:cNvSpPr>
+          <p:nvPr>
+            <p:ph type="body" idx="1"/>
+          </p:nvPr>
+        </p:nvSpPr>
+        <p:spPr/>
+        <p:txBody>
+          <a:bodyPr/>
+          <a:lstStyle/>
+          <a:p>
+            <a:r>
+              <a:rPr lang="en-US" dirty="0"/>
+              <a:t>[60s]</a:t>
+            </a:r>
+            <a:endParaRPr lang="pt-PT" dirty="0"/>
+          </a:p>
+        </p:txBody>
+      </p:sp>
+      <p:sp>
+        <p:nvSpPr>
+          <p:cNvPr id="4" name="Marcador de Posição do Número do Diapositivo 3"/>
+          <p:cNvSpPr>
+            <a:spLocks noGrp="1"/>
+          </p:cNvSpPr>
+          <p:nvPr>
+            <p:ph type="sldNum" sz="quarter" idx="5"/>
+          </p:nvPr>
+        </p:nvSpPr>
+        <p:spPr/>
+        <p:txBody>
+          <a:bodyPr/>
+          <a:lstStyle/>
+          <a:p>
+            <a:fld id="{01283FAC-A721-45A3-BBDE-EAF2B09B7CD9}" type="slidenum">
+              <a:rPr lang="en-US" smtClean="0"/>
+              <a:t>24</a:t>
+            </a:fld>
+            <a:endParaRPr lang="en-US"/>
+          </a:p>
+        </p:txBody>
+      </p:sp>
+    </p:spTree>
+    <p:extLst>
+      <p:ext uri="{BB962C8B-B14F-4D97-AF65-F5344CB8AC3E}">
+        <p14:creationId xmlns:p14="http://schemas.microsoft.com/office/powerpoint/2010/main" val="818279707"/>
+      </p:ext>
+    </p:extLst>
+  </p:cSld>
+  <p:clrMapOvr>
+    <a:masterClrMapping/>
+  </p:clrMapOvr>
+</p:notes>
+</file>
+
 <file path=ppt/notesSlides/notesSlide3.xml><?xml version="1.0" encoding="utf-8"?>
 <p:notes xmlns:a="http://schemas.openxmlformats.org/drawingml/2006/main" xmlns:r="http://schemas.openxmlformats.org/officeDocument/2006/relationships" xmlns:p="http://schemas.openxmlformats.org/presentationml/2006/main">
   <p:cSld>
@@ -5997,13 +6266,13 @@
   <p:clrMapOvr>
     <a:masterClrMapping/>
   </p:clrMapOvr>
-  <mc:AlternateContent xmlns:mc="http://schemas.openxmlformats.org/markup-compatibility/2006">
-    <mc:Choice xmlns:p159="http://schemas.microsoft.com/office/powerpoint/2015/09/main" Requires="p159">
+  <mc:AlternateContent xmlns:mc="http://schemas.openxmlformats.org/markup-compatibility/2006" xmlns:p159="http://schemas.microsoft.com/office/powerpoint/2015/09/main">
+    <mc:Choice Requires="p159">
       <p:transition xmlns:p14="http://schemas.microsoft.com/office/powerpoint/2010/main" p14:dur="250">
         <p159:morph option="byWord"/>
       </p:transition>
     </mc:Choice>
-    <mc:Fallback>
+    <mc:Fallback xmlns="">
       <p:transition>
         <p:fade/>
       </p:transition>
@@ -6108,13 +6377,13 @@
   <p:clrMapOvr>
     <a:masterClrMapping/>
   </p:clrMapOvr>
-  <mc:AlternateContent xmlns:mc="http://schemas.openxmlformats.org/markup-compatibility/2006">
-    <mc:Choice xmlns:p159="http://schemas.microsoft.com/office/powerpoint/2015/09/main" Requires="p159">
+  <mc:AlternateContent xmlns:mc="http://schemas.openxmlformats.org/markup-compatibility/2006" xmlns:p159="http://schemas.microsoft.com/office/powerpoint/2015/09/main">
+    <mc:Choice Requires="p159">
       <p:transition xmlns:p14="http://schemas.microsoft.com/office/powerpoint/2010/main" p14:dur="250">
         <p159:morph option="byWord"/>
       </p:transition>
     </mc:Choice>
-    <mc:Fallback>
+    <mc:Fallback xmlns="">
       <p:transition>
         <p:fade/>
       </p:transition>
@@ -6399,13 +6668,13 @@
   <p:clrMapOvr>
     <a:masterClrMapping/>
   </p:clrMapOvr>
-  <mc:AlternateContent xmlns:mc="http://schemas.openxmlformats.org/markup-compatibility/2006">
-    <mc:Choice xmlns:p159="http://schemas.microsoft.com/office/powerpoint/2015/09/main" Requires="p159">
+  <mc:AlternateContent xmlns:mc="http://schemas.openxmlformats.org/markup-compatibility/2006" xmlns:p159="http://schemas.microsoft.com/office/powerpoint/2015/09/main">
+    <mc:Choice Requires="p159">
       <p:transition xmlns:p14="http://schemas.microsoft.com/office/powerpoint/2010/main" p14:dur="250">
         <p159:morph option="byWord"/>
       </p:transition>
     </mc:Choice>
-    <mc:Fallback>
+    <mc:Fallback xmlns="">
       <p:transition>
         <p:fade/>
       </p:transition>
@@ -6667,13 +6936,13 @@
   <p:clrMapOvr>
     <a:masterClrMapping/>
   </p:clrMapOvr>
-  <mc:AlternateContent xmlns:mc="http://schemas.openxmlformats.org/markup-compatibility/2006">
-    <mc:Choice xmlns:p159="http://schemas.microsoft.com/office/powerpoint/2015/09/main" Requires="p159">
+  <mc:AlternateContent xmlns:mc="http://schemas.openxmlformats.org/markup-compatibility/2006" xmlns:p159="http://schemas.microsoft.com/office/powerpoint/2015/09/main">
+    <mc:Choice Requires="p159">
       <p:transition xmlns:p14="http://schemas.microsoft.com/office/powerpoint/2010/main" p14:dur="250">
         <p159:morph option="byWord"/>
       </p:transition>
     </mc:Choice>
-    <mc:Fallback>
+    <mc:Fallback xmlns="">
       <p:transition>
         <p:fade/>
       </p:transition>
@@ -6851,13 +7120,13 @@
   <p:clrMapOvr>
     <a:masterClrMapping/>
   </p:clrMapOvr>
-  <mc:AlternateContent xmlns:mc="http://schemas.openxmlformats.org/markup-compatibility/2006">
-    <mc:Choice xmlns:p159="http://schemas.microsoft.com/office/powerpoint/2015/09/main" Requires="p159">
+  <mc:AlternateContent xmlns:mc="http://schemas.openxmlformats.org/markup-compatibility/2006" xmlns:p159="http://schemas.microsoft.com/office/powerpoint/2015/09/main">
+    <mc:Choice Requires="p159">
       <p:transition xmlns:p14="http://schemas.microsoft.com/office/powerpoint/2010/main" p14:dur="250">
         <p159:morph option="byWord"/>
       </p:transition>
     </mc:Choice>
-    <mc:Fallback>
+    <mc:Fallback xmlns="">
       <p:transition>
         <p:fade/>
       </p:transition>
@@ -7045,13 +7314,13 @@
   <p:clrMapOvr>
     <a:masterClrMapping/>
   </p:clrMapOvr>
-  <mc:AlternateContent xmlns:mc="http://schemas.openxmlformats.org/markup-compatibility/2006">
-    <mc:Choice xmlns:p159="http://schemas.microsoft.com/office/powerpoint/2015/09/main" Requires="p159">
+  <mc:AlternateContent xmlns:mc="http://schemas.openxmlformats.org/markup-compatibility/2006" xmlns:p159="http://schemas.microsoft.com/office/powerpoint/2015/09/main">
+    <mc:Choice Requires="p159">
       <p:transition xmlns:p14="http://schemas.microsoft.com/office/powerpoint/2010/main" p14:dur="250">
         <p159:morph option="byWord"/>
       </p:transition>
     </mc:Choice>
-    <mc:Fallback>
+    <mc:Fallback xmlns="">
       <p:transition>
         <p:fade/>
       </p:transition>
@@ -7118,13 +7387,13 @@
   <p:clrMapOvr>
     <a:masterClrMapping/>
   </p:clrMapOvr>
-  <mc:AlternateContent xmlns:mc="http://schemas.openxmlformats.org/markup-compatibility/2006">
-    <mc:Choice xmlns:p159="http://schemas.microsoft.com/office/powerpoint/2015/09/main" Requires="p159">
+  <mc:AlternateContent xmlns:mc="http://schemas.openxmlformats.org/markup-compatibility/2006" xmlns:p159="http://schemas.microsoft.com/office/powerpoint/2015/09/main">
+    <mc:Choice Requires="p159">
       <p:transition xmlns:p14="http://schemas.microsoft.com/office/powerpoint/2010/main" p14:dur="250">
         <p159:morph option="byWord"/>
       </p:transition>
     </mc:Choice>
-    <mc:Fallback>
+    <mc:Fallback xmlns="">
       <p:transition>
         <p:fade/>
       </p:transition>
@@ -7322,13 +7591,13 @@
   <p:clrMapOvr>
     <a:masterClrMapping/>
   </p:clrMapOvr>
-  <mc:AlternateContent xmlns:mc="http://schemas.openxmlformats.org/markup-compatibility/2006">
-    <mc:Choice xmlns:p159="http://schemas.microsoft.com/office/powerpoint/2015/09/main" Requires="p159">
+  <mc:AlternateContent xmlns:mc="http://schemas.openxmlformats.org/markup-compatibility/2006" xmlns:p159="http://schemas.microsoft.com/office/powerpoint/2015/09/main">
+    <mc:Choice Requires="p159">
       <p:transition xmlns:p14="http://schemas.microsoft.com/office/powerpoint/2010/main" p14:dur="250">
         <p159:morph option="byWord"/>
       </p:transition>
     </mc:Choice>
-    <mc:Fallback>
+    <mc:Fallback xmlns="">
       <p:transition>
         <p:fade/>
       </p:transition>
@@ -7486,13 +7755,13 @@
   <p:clrMapOvr>
     <a:masterClrMapping/>
   </p:clrMapOvr>
-  <mc:AlternateContent xmlns:mc="http://schemas.openxmlformats.org/markup-compatibility/2006">
-    <mc:Choice xmlns:p159="http://schemas.microsoft.com/office/powerpoint/2015/09/main" Requires="p159">
+  <mc:AlternateContent xmlns:mc="http://schemas.openxmlformats.org/markup-compatibility/2006" xmlns:p159="http://schemas.microsoft.com/office/powerpoint/2015/09/main">
+    <mc:Choice Requires="p159">
       <p:transition xmlns:p14="http://schemas.microsoft.com/office/powerpoint/2010/main" p14:dur="250">
         <p159:morph option="byWord"/>
       </p:transition>
     </mc:Choice>
-    <mc:Fallback>
+    <mc:Fallback xmlns="">
       <p:transition>
         <p:fade/>
       </p:transition>
@@ -7862,13 +8131,13 @@
   <p:clrMapOvr>
     <a:masterClrMapping/>
   </p:clrMapOvr>
-  <mc:AlternateContent xmlns:mc="http://schemas.openxmlformats.org/markup-compatibility/2006">
-    <mc:Choice xmlns:p159="http://schemas.microsoft.com/office/powerpoint/2015/09/main" Requires="p159">
+  <mc:AlternateContent xmlns:mc="http://schemas.openxmlformats.org/markup-compatibility/2006" xmlns:p159="http://schemas.microsoft.com/office/powerpoint/2015/09/main">
+    <mc:Choice Requires="p159">
       <p:transition xmlns:p14="http://schemas.microsoft.com/office/powerpoint/2010/main" p14:dur="250">
         <p159:morph option="byWord"/>
       </p:transition>
     </mc:Choice>
-    <mc:Fallback>
+    <mc:Fallback xmlns="">
       <p:transition>
         <p:fade/>
       </p:transition>
@@ -8328,13 +8597,13 @@
   <p:clrMapOvr>
     <a:masterClrMapping/>
   </p:clrMapOvr>
-  <mc:AlternateContent xmlns:mc="http://schemas.openxmlformats.org/markup-compatibility/2006">
-    <mc:Choice xmlns:p159="http://schemas.microsoft.com/office/powerpoint/2015/09/main" Requires="p159">
+  <mc:AlternateContent xmlns:mc="http://schemas.openxmlformats.org/markup-compatibility/2006" xmlns:p159="http://schemas.microsoft.com/office/powerpoint/2015/09/main">
+    <mc:Choice Requires="p159">
       <p:transition xmlns:p14="http://schemas.microsoft.com/office/powerpoint/2010/main" p14:dur="250">
         <p159:morph option="byWord"/>
       </p:transition>
     </mc:Choice>
-    <mc:Fallback>
+    <mc:Fallback xmlns="">
       <p:transition>
         <p:fade/>
       </p:transition>
@@ -8512,13 +8781,13 @@
   <p:clrMapOvr>
     <a:masterClrMapping/>
   </p:clrMapOvr>
-  <mc:AlternateContent xmlns:mc="http://schemas.openxmlformats.org/markup-compatibility/2006">
-    <mc:Choice xmlns:p159="http://schemas.microsoft.com/office/powerpoint/2015/09/main" Requires="p159">
+  <mc:AlternateContent xmlns:mc="http://schemas.openxmlformats.org/markup-compatibility/2006" xmlns:p159="http://schemas.microsoft.com/office/powerpoint/2015/09/main">
+    <mc:Choice Requires="p159">
       <p:transition xmlns:p14="http://schemas.microsoft.com/office/powerpoint/2010/main" p14:dur="250">
         <p159:morph option="byWord"/>
       </p:transition>
     </mc:Choice>
-    <mc:Fallback>
+    <mc:Fallback xmlns="">
       <p:transition>
         <p:fade/>
       </p:transition>
@@ -9084,13 +9353,13 @@
   <p:clrMapOvr>
     <a:masterClrMapping/>
   </p:clrMapOvr>
-  <mc:AlternateContent xmlns:mc="http://schemas.openxmlformats.org/markup-compatibility/2006">
-    <mc:Choice xmlns:p159="http://schemas.microsoft.com/office/powerpoint/2015/09/main" Requires="p159">
+  <mc:AlternateContent xmlns:mc="http://schemas.openxmlformats.org/markup-compatibility/2006" xmlns:p159="http://schemas.microsoft.com/office/powerpoint/2015/09/main">
+    <mc:Choice Requires="p159">
       <p:transition xmlns:p14="http://schemas.microsoft.com/office/powerpoint/2010/main" p14:dur="250">
         <p159:morph option="byWord"/>
       </p:transition>
     </mc:Choice>
-    <mc:Fallback>
+    <mc:Fallback xmlns="">
       <p:transition>
         <p:fade/>
       </p:transition>
@@ -9195,13 +9464,13 @@
   <p:clrMapOvr>
     <a:masterClrMapping/>
   </p:clrMapOvr>
-  <mc:AlternateContent xmlns:mc="http://schemas.openxmlformats.org/markup-compatibility/2006">
-    <mc:Choice xmlns:p159="http://schemas.microsoft.com/office/powerpoint/2015/09/main" Requires="p159">
+  <mc:AlternateContent xmlns:mc="http://schemas.openxmlformats.org/markup-compatibility/2006" xmlns:p159="http://schemas.microsoft.com/office/powerpoint/2015/09/main">
+    <mc:Choice Requires="p159">
       <p:transition xmlns:p14="http://schemas.microsoft.com/office/powerpoint/2010/main" p14:dur="250">
         <p159:morph option="byWord"/>
       </p:transition>
     </mc:Choice>
-    <mc:Fallback>
+    <mc:Fallback xmlns="">
       <p:transition>
         <p:fade/>
       </p:transition>
@@ -9274,13 +9543,13 @@
   <p:clrMapOvr>
     <a:masterClrMapping/>
   </p:clrMapOvr>
-  <mc:AlternateContent xmlns:mc="http://schemas.openxmlformats.org/markup-compatibility/2006">
-    <mc:Choice xmlns:p159="http://schemas.microsoft.com/office/powerpoint/2015/09/main" Requires="p159">
+  <mc:AlternateContent xmlns:mc="http://schemas.openxmlformats.org/markup-compatibility/2006" xmlns:p159="http://schemas.microsoft.com/office/powerpoint/2015/09/main">
+    <mc:Choice Requires="p159">
       <p:transition xmlns:p14="http://schemas.microsoft.com/office/powerpoint/2010/main" p14:dur="250">
         <p159:morph option="byWord"/>
       </p:transition>
     </mc:Choice>
-    <mc:Fallback>
+    <mc:Fallback xmlns="">
       <p:transition>
         <p:fade/>
       </p:transition>
@@ -9316,13 +9585,13 @@
   <p:clrMapOvr>
     <a:masterClrMapping/>
   </p:clrMapOvr>
-  <mc:AlternateContent xmlns:mc="http://schemas.openxmlformats.org/markup-compatibility/2006">
-    <mc:Choice xmlns:p159="http://schemas.microsoft.com/office/powerpoint/2015/09/main" Requires="p159">
+  <mc:AlternateContent xmlns:mc="http://schemas.openxmlformats.org/markup-compatibility/2006" xmlns:p159="http://schemas.microsoft.com/office/powerpoint/2015/09/main">
+    <mc:Choice Requires="p159">
       <p:transition xmlns:p14="http://schemas.microsoft.com/office/powerpoint/2010/main" p14:dur="250">
         <p159:morph option="byWord"/>
       </p:transition>
     </mc:Choice>
-    <mc:Fallback>
+    <mc:Fallback xmlns="">
       <p:transition>
         <p:fade/>
       </p:transition>
@@ -9919,13 +10188,13 @@
   <p:clrMapOvr>
     <a:masterClrMapping/>
   </p:clrMapOvr>
-  <mc:AlternateContent xmlns:mc="http://schemas.openxmlformats.org/markup-compatibility/2006">
-    <mc:Choice xmlns:p159="http://schemas.microsoft.com/office/powerpoint/2015/09/main" Requires="p159">
+  <mc:AlternateContent xmlns:mc="http://schemas.openxmlformats.org/markup-compatibility/2006" xmlns:p159="http://schemas.microsoft.com/office/powerpoint/2015/09/main">
+    <mc:Choice Requires="p159">
       <p:transition xmlns:p14="http://schemas.microsoft.com/office/powerpoint/2010/main" p14:dur="250">
         <p159:morph option="byWord"/>
       </p:transition>
     </mc:Choice>
-    <mc:Fallback>
+    <mc:Fallback xmlns="">
       <p:transition>
         <p:fade/>
       </p:transition>
@@ -10549,13 +10818,13 @@
   <p:clrMapOvr>
     <a:masterClrMapping/>
   </p:clrMapOvr>
-  <mc:AlternateContent xmlns:mc="http://schemas.openxmlformats.org/markup-compatibility/2006">
-    <mc:Choice xmlns:p159="http://schemas.microsoft.com/office/powerpoint/2015/09/main" Requires="p159">
+  <mc:AlternateContent xmlns:mc="http://schemas.openxmlformats.org/markup-compatibility/2006" xmlns:p159="http://schemas.microsoft.com/office/powerpoint/2015/09/main">
+    <mc:Choice Requires="p159">
       <p:transition xmlns:p14="http://schemas.microsoft.com/office/powerpoint/2010/main" p14:dur="250">
         <p159:morph option="byWord"/>
       </p:transition>
     </mc:Choice>
-    <mc:Fallback>
+    <mc:Fallback xmlns="">
       <p:transition>
         <p:fade/>
       </p:transition>
@@ -11144,13 +11413,13 @@
   <p:clrMapOvr>
     <a:masterClrMapping/>
   </p:clrMapOvr>
-  <mc:AlternateContent xmlns:mc="http://schemas.openxmlformats.org/markup-compatibility/2006">
-    <mc:Choice xmlns:p159="http://schemas.microsoft.com/office/powerpoint/2015/09/main" Requires="p159">
+  <mc:AlternateContent xmlns:mc="http://schemas.openxmlformats.org/markup-compatibility/2006" xmlns:p159="http://schemas.microsoft.com/office/powerpoint/2015/09/main">
+    <mc:Choice Requires="p159">
       <p:transition xmlns:p14="http://schemas.microsoft.com/office/powerpoint/2010/main" p14:dur="250">
         <p159:morph option="byWord"/>
       </p:transition>
     </mc:Choice>
-    <mc:Fallback>
+    <mc:Fallback xmlns="">
       <p:transition>
         <p:fade/>
       </p:transition>
@@ -12754,13 +13023,13 @@
   <p:clrMapOvr>
     <a:masterClrMapping/>
   </p:clrMapOvr>
-  <mc:AlternateContent xmlns:mc="http://schemas.openxmlformats.org/markup-compatibility/2006">
-    <mc:Choice xmlns:p159="http://schemas.microsoft.com/office/powerpoint/2015/09/main" Requires="p159">
+  <mc:AlternateContent xmlns:mc="http://schemas.openxmlformats.org/markup-compatibility/2006" xmlns:p159="http://schemas.microsoft.com/office/powerpoint/2015/09/main">
+    <mc:Choice Requires="p159">
       <p:transition xmlns:p14="http://schemas.microsoft.com/office/powerpoint/2010/main" p14:dur="250">
         <p159:morph option="byWord"/>
       </p:transition>
     </mc:Choice>
-    <mc:Fallback>
+    <mc:Fallback xmlns="">
       <p:transition>
         <p:fade/>
       </p:transition>
@@ -13392,13 +13661,13 @@
   <p:clrMapOvr>
     <a:masterClrMapping/>
   </p:clrMapOvr>
-  <mc:AlternateContent xmlns:mc="http://schemas.openxmlformats.org/markup-compatibility/2006">
-    <mc:Choice xmlns:p159="http://schemas.microsoft.com/office/powerpoint/2015/09/main" Requires="p159">
+  <mc:AlternateContent xmlns:mc="http://schemas.openxmlformats.org/markup-compatibility/2006" xmlns:p159="http://schemas.microsoft.com/office/powerpoint/2015/09/main">
+    <mc:Choice Requires="p159">
       <p:transition xmlns:p14="http://schemas.microsoft.com/office/powerpoint/2010/main" p14:dur="250">
         <p159:morph option="byWord"/>
       </p:transition>
     </mc:Choice>
-    <mc:Fallback>
+    <mc:Fallback xmlns="">
       <p:transition>
         <p:fade/>
       </p:transition>
@@ -14326,13 +14595,13 @@
   <p:clrMapOvr>
     <a:masterClrMapping/>
   </p:clrMapOvr>
-  <mc:AlternateContent xmlns:mc="http://schemas.openxmlformats.org/markup-compatibility/2006">
-    <mc:Choice xmlns:p159="http://schemas.microsoft.com/office/powerpoint/2015/09/main" Requires="p159">
+  <mc:AlternateContent xmlns:mc="http://schemas.openxmlformats.org/markup-compatibility/2006" xmlns:p159="http://schemas.microsoft.com/office/powerpoint/2015/09/main">
+    <mc:Choice Requires="p159">
       <p:transition xmlns:p14="http://schemas.microsoft.com/office/powerpoint/2010/main" p14:dur="250">
         <p159:morph option="byWord"/>
       </p:transition>
     </mc:Choice>
-    <mc:Fallback>
+    <mc:Fallback xmlns="">
       <p:transition>
         <p:fade/>
       </p:transition>
@@ -14624,13 +14893,13 @@
   <p:clrMapOvr>
     <a:masterClrMapping/>
   </p:clrMapOvr>
-  <mc:AlternateContent xmlns:mc="http://schemas.openxmlformats.org/markup-compatibility/2006">
-    <mc:Choice xmlns:p159="http://schemas.microsoft.com/office/powerpoint/2015/09/main" Requires="p159">
+  <mc:AlternateContent xmlns:mc="http://schemas.openxmlformats.org/markup-compatibility/2006" xmlns:p159="http://schemas.microsoft.com/office/powerpoint/2015/09/main">
+    <mc:Choice Requires="p159">
       <p:transition xmlns:p14="http://schemas.microsoft.com/office/powerpoint/2010/main" p14:dur="250">
         <p159:morph option="byWord"/>
       </p:transition>
     </mc:Choice>
-    <mc:Fallback>
+    <mc:Fallback xmlns="">
       <p:transition>
         <p:fade/>
       </p:transition>
@@ -14770,13 +15039,13 @@
   <p:clrMapOvr>
     <a:masterClrMapping/>
   </p:clrMapOvr>
-  <mc:AlternateContent xmlns:mc="http://schemas.openxmlformats.org/markup-compatibility/2006">
-    <mc:Choice xmlns:p159="http://schemas.microsoft.com/office/powerpoint/2015/09/main" Requires="p159">
+  <mc:AlternateContent xmlns:mc="http://schemas.openxmlformats.org/markup-compatibility/2006" xmlns:p159="http://schemas.microsoft.com/office/powerpoint/2015/09/main">
+    <mc:Choice Requires="p159">
       <p:transition xmlns:p14="http://schemas.microsoft.com/office/powerpoint/2010/main" p14:dur="250">
         <p159:morph option="byWord"/>
       </p:transition>
     </mc:Choice>
-    <mc:Fallback>
+    <mc:Fallback xmlns="">
       <p:transition>
         <p:fade/>
       </p:transition>
@@ -16396,13 +16665,13 @@
   <p:clrMapOvr>
     <a:overrideClrMapping bg1="lt1" tx1="dk1" bg2="lt2" tx2="dk2" accent1="accent1" accent2="accent2" accent3="accent3" accent4="accent4" accent5="accent5" accent6="accent6" hlink="hlink" folHlink="folHlink"/>
   </p:clrMapOvr>
-  <mc:AlternateContent xmlns:mc="http://schemas.openxmlformats.org/markup-compatibility/2006">
-    <mc:Choice xmlns:p159="http://schemas.microsoft.com/office/powerpoint/2015/09/main" Requires="p159">
+  <mc:AlternateContent xmlns:mc="http://schemas.openxmlformats.org/markup-compatibility/2006" xmlns:p159="http://schemas.microsoft.com/office/powerpoint/2015/09/main">
+    <mc:Choice Requires="p159">
       <p:transition xmlns:p14="http://schemas.microsoft.com/office/powerpoint/2010/main" p14:dur="250">
         <p159:morph option="byWord"/>
       </p:transition>
     </mc:Choice>
-    <mc:Fallback>
+    <mc:Fallback xmlns="">
       <p:transition>
         <p:fade/>
       </p:transition>
@@ -16658,13 +16927,13 @@
   <p:clrMapOvr>
     <a:masterClrMapping/>
   </p:clrMapOvr>
-  <mc:AlternateContent xmlns:mc="http://schemas.openxmlformats.org/markup-compatibility/2006">
-    <mc:Choice xmlns:p159="http://schemas.microsoft.com/office/powerpoint/2015/09/main" Requires="p159">
+  <mc:AlternateContent xmlns:mc="http://schemas.openxmlformats.org/markup-compatibility/2006" xmlns:p159="http://schemas.microsoft.com/office/powerpoint/2015/09/main">
+    <mc:Choice Requires="p159">
       <p:transition xmlns:p14="http://schemas.microsoft.com/office/powerpoint/2010/main" p14:dur="250">
         <p159:morph option="byWord"/>
       </p:transition>
     </mc:Choice>
-    <mc:Fallback>
+    <mc:Fallback xmlns="">
       <p:transition>
         <p:fade/>
       </p:transition>
@@ -16973,13 +17242,13 @@
   <p:clrMapOvr>
     <a:masterClrMapping/>
   </p:clrMapOvr>
-  <mc:AlternateContent xmlns:mc="http://schemas.openxmlformats.org/markup-compatibility/2006">
-    <mc:Choice xmlns:p159="http://schemas.microsoft.com/office/powerpoint/2015/09/main" Requires="p159">
+  <mc:AlternateContent xmlns:mc="http://schemas.openxmlformats.org/markup-compatibility/2006" xmlns:p159="http://schemas.microsoft.com/office/powerpoint/2015/09/main">
+    <mc:Choice Requires="p159">
       <p:transition xmlns:p14="http://schemas.microsoft.com/office/powerpoint/2010/main" p14:dur="250">
         <p159:morph option="byWord"/>
       </p:transition>
     </mc:Choice>
-    <mc:Fallback>
+    <mc:Fallback xmlns="">
       <p:transition>
         <p:fade/>
       </p:transition>
@@ -17197,13 +17466,13 @@
   <p:clrMapOvr>
     <a:masterClrMapping/>
   </p:clrMapOvr>
-  <mc:AlternateContent xmlns:mc="http://schemas.openxmlformats.org/markup-compatibility/2006">
-    <mc:Choice xmlns:p159="http://schemas.microsoft.com/office/powerpoint/2015/09/main" Requires="p159">
+  <mc:AlternateContent xmlns:mc="http://schemas.openxmlformats.org/markup-compatibility/2006" xmlns:p159="http://schemas.microsoft.com/office/powerpoint/2015/09/main">
+    <mc:Choice Requires="p159">
       <p:transition xmlns:p14="http://schemas.microsoft.com/office/powerpoint/2010/main" p14:dur="250">
         <p159:morph option="byWord"/>
       </p:transition>
     </mc:Choice>
-    <mc:Fallback>
+    <mc:Fallback xmlns="">
       <p:transition>
         <p:fade/>
       </p:transition>
@@ -17329,13 +17598,13 @@
   <p:clrMapOvr>
     <a:masterClrMapping/>
   </p:clrMapOvr>
-  <mc:AlternateContent xmlns:mc="http://schemas.openxmlformats.org/markup-compatibility/2006">
-    <mc:Choice xmlns:p159="http://schemas.microsoft.com/office/powerpoint/2015/09/main" Requires="p159">
+  <mc:AlternateContent xmlns:mc="http://schemas.openxmlformats.org/markup-compatibility/2006" xmlns:p159="http://schemas.microsoft.com/office/powerpoint/2015/09/main">
+    <mc:Choice Requires="p159">
       <p:transition xmlns:p14="http://schemas.microsoft.com/office/powerpoint/2010/main" p14:dur="250">
         <p159:morph option="byWord"/>
       </p:transition>
     </mc:Choice>
-    <mc:Fallback>
+    <mc:Fallback xmlns="">
       <p:transition>
         <p:fade/>
       </p:transition>
@@ -17525,13 +17794,13 @@
   <p:clrMapOvr>
     <a:masterClrMapping/>
   </p:clrMapOvr>
-  <mc:AlternateContent xmlns:mc="http://schemas.openxmlformats.org/markup-compatibility/2006">
-    <mc:Choice xmlns:p159="http://schemas.microsoft.com/office/powerpoint/2015/09/main" Requires="p159">
+  <mc:AlternateContent xmlns:mc="http://schemas.openxmlformats.org/markup-compatibility/2006" xmlns:p159="http://schemas.microsoft.com/office/powerpoint/2015/09/main">
+    <mc:Choice Requires="p159">
       <p:transition xmlns:p14="http://schemas.microsoft.com/office/powerpoint/2010/main" p14:dur="250">
         <p159:morph option="byWord"/>
       </p:transition>
     </mc:Choice>
-    <mc:Fallback>
+    <mc:Fallback xmlns="">
       <p:transition>
         <p:fade/>
       </p:transition>
@@ -17718,13 +17987,13 @@
   <p:clrMapOvr>
     <a:masterClrMapping/>
   </p:clrMapOvr>
-  <mc:AlternateContent xmlns:mc="http://schemas.openxmlformats.org/markup-compatibility/2006">
-    <mc:Choice xmlns:p159="http://schemas.microsoft.com/office/powerpoint/2015/09/main" Requires="p159">
+  <mc:AlternateContent xmlns:mc="http://schemas.openxmlformats.org/markup-compatibility/2006" xmlns:p159="http://schemas.microsoft.com/office/powerpoint/2015/09/main">
+    <mc:Choice Requires="p159">
       <p:transition xmlns:p14="http://schemas.microsoft.com/office/powerpoint/2010/main" p14:dur="250">
         <p159:morph option="byWord"/>
       </p:transition>
     </mc:Choice>
-    <mc:Fallback>
+    <mc:Fallback xmlns="">
       <p:transition>
         <p:fade/>
       </p:transition>
@@ -18011,13 +18280,13 @@
   <p:clrMapOvr>
     <a:masterClrMapping/>
   </p:clrMapOvr>
-  <mc:AlternateContent xmlns:mc="http://schemas.openxmlformats.org/markup-compatibility/2006">
-    <mc:Choice xmlns:p159="http://schemas.microsoft.com/office/powerpoint/2015/09/main" Requires="p159">
+  <mc:AlternateContent xmlns:mc="http://schemas.openxmlformats.org/markup-compatibility/2006" xmlns:p159="http://schemas.microsoft.com/office/powerpoint/2015/09/main">
+    <mc:Choice Requires="p159">
       <p:transition xmlns:p14="http://schemas.microsoft.com/office/powerpoint/2010/main" p14:dur="250">
         <p159:morph option="byWord"/>
       </p:transition>
     </mc:Choice>
-    <mc:Fallback>
+    <mc:Fallback xmlns="">
       <p:transition>
         <p:fade/>
       </p:transition>
@@ -18256,13 +18525,13 @@
   <p:clrMapOvr>
     <a:masterClrMapping/>
   </p:clrMapOvr>
-  <mc:AlternateContent xmlns:mc="http://schemas.openxmlformats.org/markup-compatibility/2006">
-    <mc:Choice xmlns:p159="http://schemas.microsoft.com/office/powerpoint/2015/09/main" Requires="p159">
+  <mc:AlternateContent xmlns:mc="http://schemas.openxmlformats.org/markup-compatibility/2006" xmlns:p159="http://schemas.microsoft.com/office/powerpoint/2015/09/main">
+    <mc:Choice Requires="p159">
       <p:transition xmlns:p14="http://schemas.microsoft.com/office/powerpoint/2010/main" p14:dur="250">
         <p159:morph option="byWord"/>
       </p:transition>
     </mc:Choice>
-    <mc:Fallback>
+    <mc:Fallback xmlns="">
       <p:transition>
         <p:fade/>
       </p:transition>
@@ -18636,13 +18905,13 @@
   <p:clrMapOvr>
     <a:masterClrMapping/>
   </p:clrMapOvr>
-  <mc:AlternateContent xmlns:mc="http://schemas.openxmlformats.org/markup-compatibility/2006">
-    <mc:Choice xmlns:p159="http://schemas.microsoft.com/office/powerpoint/2015/09/main" Requires="p159">
+  <mc:AlternateContent xmlns:mc="http://schemas.openxmlformats.org/markup-compatibility/2006" xmlns:p159="http://schemas.microsoft.com/office/powerpoint/2015/09/main">
+    <mc:Choice Requires="p159">
       <p:transition xmlns:p14="http://schemas.microsoft.com/office/powerpoint/2010/main" p14:dur="250">
         <p159:morph option="byWord"/>
       </p:transition>
     </mc:Choice>
-    <mc:Fallback>
+    <mc:Fallback xmlns="">
       <p:transition>
         <p:fade/>
       </p:transition>
@@ -18769,13 +19038,13 @@
   <p:clrMapOvr>
     <a:masterClrMapping/>
   </p:clrMapOvr>
-  <mc:AlternateContent xmlns:mc="http://schemas.openxmlformats.org/markup-compatibility/2006">
-    <mc:Choice xmlns:p159="http://schemas.microsoft.com/office/powerpoint/2015/09/main" Requires="p159">
+  <mc:AlternateContent xmlns:mc="http://schemas.openxmlformats.org/markup-compatibility/2006" xmlns:p159="http://schemas.microsoft.com/office/powerpoint/2015/09/main">
+    <mc:Choice Requires="p159">
       <p:transition xmlns:p14="http://schemas.microsoft.com/office/powerpoint/2010/main" p14:dur="250">
         <p159:morph option="byWord"/>
       </p:transition>
     </mc:Choice>
-    <mc:Fallback>
+    <mc:Fallback xmlns="">
       <p:transition>
         <p:fade/>
       </p:transition>
@@ -19419,13 +19688,13 @@
     <p:sldLayoutId id="2147483659" r:id="rId14"/>
     <p:sldLayoutId id="2147483685" r:id="rId15"/>
   </p:sldLayoutIdLst>
-  <mc:AlternateContent xmlns:mc="http://schemas.openxmlformats.org/markup-compatibility/2006">
-    <mc:Choice xmlns:p159="http://schemas.microsoft.com/office/powerpoint/2015/09/main" Requires="p159">
+  <mc:AlternateContent xmlns:mc="http://schemas.openxmlformats.org/markup-compatibility/2006" xmlns:p159="http://schemas.microsoft.com/office/powerpoint/2015/09/main">
+    <mc:Choice Requires="p159">
       <p:transition xmlns:p14="http://schemas.microsoft.com/office/powerpoint/2010/main" p14:dur="250">
         <p159:morph option="byWord"/>
       </p:transition>
     </mc:Choice>
-    <mc:Fallback>
+    <mc:Fallback xmlns="">
       <p:transition>
         <p:fade/>
       </p:transition>
@@ -19865,13 +20134,13 @@
     <p:sldLayoutId id="2147483682" r:id="rId19"/>
     <p:sldLayoutId id="2147483683" r:id="rId20"/>
   </p:sldLayoutIdLst>
-  <mc:AlternateContent xmlns:mc="http://schemas.openxmlformats.org/markup-compatibility/2006">
-    <mc:Choice xmlns:p159="http://schemas.microsoft.com/office/powerpoint/2015/09/main" Requires="p159">
+  <mc:AlternateContent xmlns:mc="http://schemas.openxmlformats.org/markup-compatibility/2006" xmlns:p159="http://schemas.microsoft.com/office/powerpoint/2015/09/main">
+    <mc:Choice Requires="p159">
       <p:transition xmlns:p14="http://schemas.microsoft.com/office/powerpoint/2010/main" p14:dur="250">
         <p159:morph option="byWord"/>
       </p:transition>
     </mc:Choice>
-    <mc:Fallback>
+    <mc:Fallback xmlns="">
       <p:transition>
         <p:fade/>
       </p:transition>
@@ -20374,13 +20643,13 @@
   <p:clrMapOvr>
     <a:masterClrMapping/>
   </p:clrMapOvr>
-  <mc:AlternateContent xmlns:mc="http://schemas.openxmlformats.org/markup-compatibility/2006">
-    <mc:Choice xmlns:p159="http://schemas.microsoft.com/office/powerpoint/2015/09/main" Requires="p159">
+  <mc:AlternateContent xmlns:mc="http://schemas.openxmlformats.org/markup-compatibility/2006" xmlns:p159="http://schemas.microsoft.com/office/powerpoint/2015/09/main">
+    <mc:Choice Requires="p159">
       <p:transition xmlns:p14="http://schemas.microsoft.com/office/powerpoint/2010/main" p14:dur="250">
         <p159:morph option="byWord"/>
       </p:transition>
     </mc:Choice>
-    <mc:Fallback>
+    <mc:Fallback xmlns="">
       <p:transition>
         <p:fade/>
       </p:transition>
@@ -20860,13 +21129,13 @@
   <p:clrMapOvr>
     <a:masterClrMapping/>
   </p:clrMapOvr>
-  <mc:AlternateContent xmlns:mc="http://schemas.openxmlformats.org/markup-compatibility/2006">
-    <mc:Choice xmlns:p159="http://schemas.microsoft.com/office/powerpoint/2015/09/main" Requires="p159">
+  <mc:AlternateContent xmlns:mc="http://schemas.openxmlformats.org/markup-compatibility/2006" xmlns:p159="http://schemas.microsoft.com/office/powerpoint/2015/09/main">
+    <mc:Choice Requires="p159">
       <p:transition xmlns:p14="http://schemas.microsoft.com/office/powerpoint/2010/main" p14:dur="250">
         <p159:morph option="byWord"/>
       </p:transition>
     </mc:Choice>
-    <mc:Fallback>
+    <mc:Fallback xmlns="">
       <p:transition>
         <p:fade/>
       </p:transition>
@@ -21621,13 +21890,13 @@
   <p:clrMapOvr>
     <a:masterClrMapping/>
   </p:clrMapOvr>
-  <mc:AlternateContent xmlns:mc="http://schemas.openxmlformats.org/markup-compatibility/2006">
-    <mc:Choice xmlns:p159="http://schemas.microsoft.com/office/powerpoint/2015/09/main" Requires="p159">
+  <mc:AlternateContent xmlns:mc="http://schemas.openxmlformats.org/markup-compatibility/2006" xmlns:p159="http://schemas.microsoft.com/office/powerpoint/2015/09/main">
+    <mc:Choice Requires="p159">
       <p:transition xmlns:p14="http://schemas.microsoft.com/office/powerpoint/2010/main" p14:dur="250">
         <p159:morph option="byWord"/>
       </p:transition>
     </mc:Choice>
-    <mc:Fallback>
+    <mc:Fallback xmlns="">
       <p:transition>
         <p:fade/>
       </p:transition>
@@ -22522,13 +22791,13 @@
   <p:clrMapOvr>
     <a:masterClrMapping/>
   </p:clrMapOvr>
-  <mc:AlternateContent xmlns:mc="http://schemas.openxmlformats.org/markup-compatibility/2006">
-    <mc:Choice xmlns:p159="http://schemas.microsoft.com/office/powerpoint/2015/09/main" Requires="p159">
+  <mc:AlternateContent xmlns:mc="http://schemas.openxmlformats.org/markup-compatibility/2006" xmlns:p159="http://schemas.microsoft.com/office/powerpoint/2015/09/main">
+    <mc:Choice Requires="p159">
       <p:transition xmlns:p14="http://schemas.microsoft.com/office/powerpoint/2010/main" p14:dur="250">
         <p159:morph option="byWord"/>
       </p:transition>
     </mc:Choice>
-    <mc:Fallback>
+    <mc:Fallback xmlns="">
       <p:transition>
         <p:fade/>
       </p:transition>
@@ -23530,13 +23799,13 @@
   <p:clrMapOvr>
     <a:masterClrMapping/>
   </p:clrMapOvr>
-  <mc:AlternateContent xmlns:mc="http://schemas.openxmlformats.org/markup-compatibility/2006">
-    <mc:Choice xmlns:p159="http://schemas.microsoft.com/office/powerpoint/2015/09/main" Requires="p159">
+  <mc:AlternateContent xmlns:mc="http://schemas.openxmlformats.org/markup-compatibility/2006" xmlns:p159="http://schemas.microsoft.com/office/powerpoint/2015/09/main">
+    <mc:Choice Requires="p159">
       <p:transition xmlns:p14="http://schemas.microsoft.com/office/powerpoint/2010/main" p14:dur="250">
         <p159:morph option="byWord"/>
       </p:transition>
     </mc:Choice>
-    <mc:Fallback>
+    <mc:Fallback xmlns="">
       <p:transition>
         <p:fade/>
       </p:transition>
@@ -23806,13 +24075,13 @@
   <p:clrMapOvr>
     <a:masterClrMapping/>
   </p:clrMapOvr>
-  <mc:AlternateContent xmlns:mc="http://schemas.openxmlformats.org/markup-compatibility/2006">
-    <mc:Choice xmlns:p159="http://schemas.microsoft.com/office/powerpoint/2015/09/main" Requires="p159">
+  <mc:AlternateContent xmlns:mc="http://schemas.openxmlformats.org/markup-compatibility/2006" xmlns:p159="http://schemas.microsoft.com/office/powerpoint/2015/09/main">
+    <mc:Choice Requires="p159">
       <p:transition xmlns:p14="http://schemas.microsoft.com/office/powerpoint/2010/main" p14:dur="250">
         <p159:morph option="byWord"/>
       </p:transition>
     </mc:Choice>
-    <mc:Fallback>
+    <mc:Fallback xmlns="">
       <p:transition>
         <p:fade/>
       </p:transition>
@@ -23876,13 +24145,13 @@
   <p:clrMapOvr>
     <a:masterClrMapping/>
   </p:clrMapOvr>
-  <mc:AlternateContent xmlns:mc="http://schemas.openxmlformats.org/markup-compatibility/2006">
-    <mc:Choice xmlns:p159="http://schemas.microsoft.com/office/powerpoint/2015/09/main" Requires="p159">
+  <mc:AlternateContent xmlns:mc="http://schemas.openxmlformats.org/markup-compatibility/2006" xmlns:p159="http://schemas.microsoft.com/office/powerpoint/2015/09/main">
+    <mc:Choice Requires="p159">
       <p:transition xmlns:p14="http://schemas.microsoft.com/office/powerpoint/2010/main" p14:dur="250">
         <p159:morph option="byWord"/>
       </p:transition>
     </mc:Choice>
-    <mc:Fallback>
+    <mc:Fallback xmlns="">
       <p:transition>
         <p:fade/>
       </p:transition>
@@ -24033,13 +24302,13 @@
   <p:clrMapOvr>
     <a:masterClrMapping/>
   </p:clrMapOvr>
-  <mc:AlternateContent xmlns:mc="http://schemas.openxmlformats.org/markup-compatibility/2006">
-    <mc:Choice xmlns:p159="http://schemas.microsoft.com/office/powerpoint/2015/09/main" Requires="p159">
+  <mc:AlternateContent xmlns:mc="http://schemas.openxmlformats.org/markup-compatibility/2006" xmlns:p159="http://schemas.microsoft.com/office/powerpoint/2015/09/main">
+    <mc:Choice Requires="p159">
       <p:transition xmlns:p14="http://schemas.microsoft.com/office/powerpoint/2010/main" p14:dur="250">
         <p159:morph option="byWord"/>
       </p:transition>
     </mc:Choice>
-    <mc:Fallback>
+    <mc:Fallback xmlns="">
       <p:transition>
         <p:fade/>
       </p:transition>
@@ -24178,13 +24447,13 @@
   <p:clrMapOvr>
     <a:masterClrMapping/>
   </p:clrMapOvr>
-  <mc:AlternateContent xmlns:mc="http://schemas.openxmlformats.org/markup-compatibility/2006">
-    <mc:Choice xmlns:p159="http://schemas.microsoft.com/office/powerpoint/2015/09/main" Requires="p159">
+  <mc:AlternateContent xmlns:mc="http://schemas.openxmlformats.org/markup-compatibility/2006" xmlns:p159="http://schemas.microsoft.com/office/powerpoint/2015/09/main">
+    <mc:Choice Requires="p159">
       <p:transition xmlns:p14="http://schemas.microsoft.com/office/powerpoint/2010/main" p14:dur="250">
         <p159:morph option="byWord"/>
       </p:transition>
     </mc:Choice>
-    <mc:Fallback>
+    <mc:Fallback xmlns="">
       <p:transition>
         <p:fade/>
       </p:transition>
@@ -24248,13 +24517,13 @@
   <p:clrMapOvr>
     <a:masterClrMapping/>
   </p:clrMapOvr>
-  <mc:AlternateContent xmlns:mc="http://schemas.openxmlformats.org/markup-compatibility/2006">
-    <mc:Choice xmlns:p159="http://schemas.microsoft.com/office/powerpoint/2015/09/main" Requires="p159">
+  <mc:AlternateContent xmlns:mc="http://schemas.openxmlformats.org/markup-compatibility/2006" xmlns:p159="http://schemas.microsoft.com/office/powerpoint/2015/09/main">
+    <mc:Choice Requires="p159">
       <p:transition xmlns:p14="http://schemas.microsoft.com/office/powerpoint/2010/main" p14:dur="250">
         <p159:morph option="byWord"/>
       </p:transition>
     </mc:Choice>
-    <mc:Fallback>
+    <mc:Fallback xmlns="">
       <p:transition>
         <p:fade/>
       </p:transition>
@@ -24447,13 +24716,13 @@
   <p:clrMapOvr>
     <a:masterClrMapping/>
   </p:clrMapOvr>
-  <mc:AlternateContent xmlns:mc="http://schemas.openxmlformats.org/markup-compatibility/2006">
-    <mc:Choice xmlns:p159="http://schemas.microsoft.com/office/powerpoint/2015/09/main" Requires="p159">
+  <mc:AlternateContent xmlns:mc="http://schemas.openxmlformats.org/markup-compatibility/2006" xmlns:p159="http://schemas.microsoft.com/office/powerpoint/2015/09/main">
+    <mc:Choice Requires="p159">
       <p:transition xmlns:p14="http://schemas.microsoft.com/office/powerpoint/2010/main" p14:dur="250">
         <p159:morph option="byWord"/>
       </p:transition>
     </mc:Choice>
-    <mc:Fallback>
+    <mc:Fallback xmlns="">
       <p:transition>
         <p:fade/>
       </p:transition>
@@ -24607,13 +24876,13 @@
   <p:clrMapOvr>
     <a:masterClrMapping/>
   </p:clrMapOvr>
-  <mc:AlternateContent xmlns:mc="http://schemas.openxmlformats.org/markup-compatibility/2006">
-    <mc:Choice xmlns:p159="http://schemas.microsoft.com/office/powerpoint/2015/09/main" Requires="p159">
+  <mc:AlternateContent xmlns:mc="http://schemas.openxmlformats.org/markup-compatibility/2006" xmlns:p159="http://schemas.microsoft.com/office/powerpoint/2015/09/main">
+    <mc:Choice Requires="p159">
       <p:transition xmlns:p14="http://schemas.microsoft.com/office/powerpoint/2010/main" p14:dur="250">
         <p159:morph option="byWord"/>
       </p:transition>
     </mc:Choice>
-    <mc:Fallback>
+    <mc:Fallback xmlns="">
       <p:transition>
         <p:fade/>
       </p:transition>
@@ -24681,13 +24950,13 @@
   <p:clrMapOvr>
     <a:masterClrMapping/>
   </p:clrMapOvr>
-  <mc:AlternateContent xmlns:mc="http://schemas.openxmlformats.org/markup-compatibility/2006">
-    <mc:Choice xmlns:p159="http://schemas.microsoft.com/office/powerpoint/2015/09/main" Requires="p159">
+  <mc:AlternateContent xmlns:mc="http://schemas.openxmlformats.org/markup-compatibility/2006" xmlns:p159="http://schemas.microsoft.com/office/powerpoint/2015/09/main">
+    <mc:Choice Requires="p159">
       <p:transition xmlns:p14="http://schemas.microsoft.com/office/powerpoint/2010/main" p14:dur="250">
         <p159:morph option="byWord"/>
       </p:transition>
     </mc:Choice>
-    <mc:Fallback>
+    <mc:Fallback xmlns="">
       <p:transition>
         <p:fade/>
       </p:transition>
@@ -24846,13 +25115,413 @@
   <p:clrMapOvr>
     <a:masterClrMapping/>
   </p:clrMapOvr>
-  <mc:AlternateContent xmlns:mc="http://schemas.openxmlformats.org/markup-compatibility/2006">
-    <mc:Choice xmlns:p159="http://schemas.microsoft.com/office/powerpoint/2015/09/main" Requires="p159">
+  <mc:AlternateContent xmlns:mc="http://schemas.openxmlformats.org/markup-compatibility/2006" xmlns:p159="http://schemas.microsoft.com/office/powerpoint/2015/09/main">
+    <mc:Choice Requires="p159">
       <p:transition xmlns:p14="http://schemas.microsoft.com/office/powerpoint/2010/main" p14:dur="250">
         <p159:morph option="byWord"/>
       </p:transition>
     </mc:Choice>
-    <mc:Fallback>
+    <mc:Fallback xmlns="">
+      <p:transition>
+        <p:fade/>
+      </p:transition>
+    </mc:Fallback>
+  </mc:AlternateContent>
+</p:sld>
+</file>
+
+<file path=ppt/slides/slide22.xml><?xml version="1.0" encoding="utf-8"?>
+<p:sld xmlns:a="http://schemas.openxmlformats.org/drawingml/2006/main" xmlns:r="http://schemas.openxmlformats.org/officeDocument/2006/relationships" xmlns:p="http://schemas.openxmlformats.org/presentationml/2006/main">
+  <p:cSld>
+    <p:bg>
+      <p:bgPr>
+        <a:solidFill>
+          <a:srgbClr val="5095D1"/>
+        </a:solidFill>
+        <a:effectLst/>
+      </p:bgPr>
+    </p:bg>
+    <p:spTree>
+      <p:nvGrpSpPr>
+        <p:cNvPr id="1" name=""/>
+        <p:cNvGrpSpPr/>
+        <p:nvPr/>
+      </p:nvGrpSpPr>
+      <p:grpSpPr>
+        <a:xfrm>
+          <a:off x="0" y="0"/>
+          <a:ext cx="0" cy="0"/>
+          <a:chOff x="0" y="0"/>
+          <a:chExt cx="0" cy="0"/>
+        </a:xfrm>
+      </p:grpSpPr>
+      <p:sp>
+        <p:nvSpPr>
+          <p:cNvPr id="2" name="Title 1"/>
+          <p:cNvSpPr>
+            <a:spLocks noGrp="1"/>
+          </p:cNvSpPr>
+          <p:nvPr>
+            <p:ph type="title"/>
+          </p:nvPr>
+        </p:nvSpPr>
+        <p:spPr>
+          <a:xfrm>
+            <a:off x="831850" y="1709738"/>
+            <a:ext cx="10515600" cy="2852737"/>
+          </a:xfrm>
+        </p:spPr>
+        <p:txBody>
+          <a:bodyPr/>
+          <a:lstStyle/>
+          <a:p>
+            <a:r>
+              <a:rPr lang="en-US" dirty="0"/>
+              <a:t>Hands On</a:t>
+            </a:r>
+            <a:br>
+              <a:rPr lang="en-US" dirty="0"/>
+            </a:br>
+            <a:endParaRPr lang="en-US" dirty="0"/>
+          </a:p>
+        </p:txBody>
+      </p:sp>
+    </p:spTree>
+    <p:extLst>
+      <p:ext uri="{BB962C8B-B14F-4D97-AF65-F5344CB8AC3E}">
+        <p14:creationId xmlns:p14="http://schemas.microsoft.com/office/powerpoint/2010/main" val="4168173363"/>
+      </p:ext>
+    </p:extLst>
+  </p:cSld>
+  <p:clrMapOvr>
+    <a:masterClrMapping/>
+  </p:clrMapOvr>
+  <mc:AlternateContent xmlns:mc="http://schemas.openxmlformats.org/markup-compatibility/2006" xmlns:p159="http://schemas.microsoft.com/office/powerpoint/2015/09/main">
+    <mc:Choice Requires="p159">
+      <p:transition xmlns:p14="http://schemas.microsoft.com/office/powerpoint/2010/main" p14:dur="250">
+        <p159:morph option="byWord"/>
+      </p:transition>
+    </mc:Choice>
+    <mc:Fallback xmlns="">
+      <p:transition>
+        <p:fade/>
+      </p:transition>
+    </mc:Fallback>
+  </mc:AlternateContent>
+</p:sld>
+</file>
+
+<file path=ppt/slides/slide23.xml><?xml version="1.0" encoding="utf-8"?>
+<p:sld xmlns:a="http://schemas.openxmlformats.org/drawingml/2006/main" xmlns:r="http://schemas.openxmlformats.org/officeDocument/2006/relationships" xmlns:p="http://schemas.openxmlformats.org/presentationml/2006/main">
+  <p:cSld>
+    <p:spTree>
+      <p:nvGrpSpPr>
+        <p:cNvPr id="1" name=""/>
+        <p:cNvGrpSpPr/>
+        <p:nvPr/>
+      </p:nvGrpSpPr>
+      <p:grpSpPr>
+        <a:xfrm>
+          <a:off x="0" y="0"/>
+          <a:ext cx="0" cy="0"/>
+          <a:chOff x="0" y="0"/>
+          <a:chExt cx="0" cy="0"/>
+        </a:xfrm>
+      </p:grpSpPr>
+      <p:pic>
+        <p:nvPicPr>
+          <p:cNvPr id="12" name="Imagem 11">
+            <a:extLst>
+              <a:ext uri="{FF2B5EF4-FFF2-40B4-BE49-F238E27FC236}">
+                <a16:creationId xmlns:a16="http://schemas.microsoft.com/office/drawing/2014/main" id="{3D8D84A6-8A50-427C-A700-BAA871B17A13}"/>
+              </a:ext>
+            </a:extLst>
+          </p:cNvPr>
+          <p:cNvPicPr>
+            <a:picLocks noChangeAspect="1"/>
+          </p:cNvPicPr>
+          <p:nvPr/>
+        </p:nvPicPr>
+        <p:blipFill>
+          <a:blip r:embed="rId3">
+            <a:extLst>
+              <a:ext uri="{28A0092B-C50C-407E-A947-70E740481C1C}">
+                <a14:useLocalDpi xmlns:a14="http://schemas.microsoft.com/office/drawing/2010/main" val="0"/>
+              </a:ext>
+            </a:extLst>
+          </a:blip>
+          <a:stretch>
+            <a:fillRect/>
+          </a:stretch>
+        </p:blipFill>
+        <p:spPr>
+          <a:xfrm>
+            <a:off x="4583339" y="3575193"/>
+            <a:ext cx="3025320" cy="3025320"/>
+          </a:xfrm>
+          <a:prstGeom prst="rect">
+            <a:avLst/>
+          </a:prstGeom>
+        </p:spPr>
+      </p:pic>
+      <p:sp>
+        <p:nvSpPr>
+          <p:cNvPr id="2" name="Título 1">
+            <a:extLst>
+              <a:ext uri="{FF2B5EF4-FFF2-40B4-BE49-F238E27FC236}">
+                <a16:creationId xmlns:a16="http://schemas.microsoft.com/office/drawing/2014/main" id="{CB62B9E9-0D50-4AD2-9915-759A37C90587}"/>
+              </a:ext>
+            </a:extLst>
+          </p:cNvPr>
+          <p:cNvSpPr>
+            <a:spLocks noGrp="1"/>
+          </p:cNvSpPr>
+          <p:nvPr>
+            <p:ph type="title"/>
+          </p:nvPr>
+        </p:nvSpPr>
+        <p:spPr/>
+        <p:txBody>
+          <a:bodyPr/>
+          <a:lstStyle/>
+          <a:p>
+            <a:r>
+              <a:rPr lang="en-US" dirty="0"/>
+              <a:t>Hands On</a:t>
+            </a:r>
+          </a:p>
+        </p:txBody>
+      </p:sp>
+      <p:sp>
+        <p:nvSpPr>
+          <p:cNvPr id="9" name="Retângulo 8">
+            <a:extLst>
+              <a:ext uri="{FF2B5EF4-FFF2-40B4-BE49-F238E27FC236}">
+                <a16:creationId xmlns:a16="http://schemas.microsoft.com/office/drawing/2014/main" id="{87DCF375-DA0F-4E0E-9C96-72EB4F2C0895}"/>
+              </a:ext>
+            </a:extLst>
+          </p:cNvPr>
+          <p:cNvSpPr/>
+          <p:nvPr/>
+        </p:nvSpPr>
+        <p:spPr>
+          <a:xfrm>
+            <a:off x="898904" y="2003137"/>
+            <a:ext cx="10394192" cy="584775"/>
+          </a:xfrm>
+          <a:prstGeom prst="rect">
+            <a:avLst/>
+          </a:prstGeom>
+        </p:spPr>
+        <p:txBody>
+          <a:bodyPr wrap="none">
+            <a:spAutoFit/>
+          </a:bodyPr>
+          <a:lstStyle/>
+          <a:p>
+            <a:r>
+              <a:rPr lang="pt-PT" sz="3200" dirty="0"/>
+              <a:t>https://github.com/ruisilva450/O365BootcampDevscope</a:t>
+            </a:r>
+          </a:p>
+        </p:txBody>
+      </p:sp>
+      <p:sp>
+        <p:nvSpPr>
+          <p:cNvPr id="10" name="Retângulo 9">
+            <a:extLst>
+              <a:ext uri="{FF2B5EF4-FFF2-40B4-BE49-F238E27FC236}">
+                <a16:creationId xmlns:a16="http://schemas.microsoft.com/office/drawing/2014/main" id="{92BC17F6-CB07-447D-B437-44A497ED96CA}"/>
+              </a:ext>
+            </a:extLst>
+          </p:cNvPr>
+          <p:cNvSpPr/>
+          <p:nvPr/>
+        </p:nvSpPr>
+        <p:spPr>
+          <a:xfrm>
+            <a:off x="4000105" y="2990418"/>
+            <a:ext cx="4191789" cy="584775"/>
+          </a:xfrm>
+          <a:prstGeom prst="rect">
+            <a:avLst/>
+          </a:prstGeom>
+        </p:spPr>
+        <p:txBody>
+          <a:bodyPr wrap="none">
+            <a:spAutoFit/>
+          </a:bodyPr>
+          <a:lstStyle/>
+          <a:p>
+            <a:r>
+              <a:rPr lang="pt-PT" sz="3200" dirty="0"/>
+              <a:t>https://bit.ly/</a:t>
+            </a:r>
+            <a:r>
+              <a:rPr lang="pt-PT" sz="3200" b="1" dirty="0"/>
+              <a:t>2RpFrwr</a:t>
+            </a:r>
+          </a:p>
+        </p:txBody>
+      </p:sp>
+    </p:spTree>
+    <p:extLst>
+      <p:ext uri="{BB962C8B-B14F-4D97-AF65-F5344CB8AC3E}">
+        <p14:creationId xmlns:p14="http://schemas.microsoft.com/office/powerpoint/2010/main" val="1556897733"/>
+      </p:ext>
+    </p:extLst>
+  </p:cSld>
+  <p:clrMapOvr>
+    <a:masterClrMapping/>
+  </p:clrMapOvr>
+  <mc:AlternateContent xmlns:mc="http://schemas.openxmlformats.org/markup-compatibility/2006" xmlns:p159="http://schemas.microsoft.com/office/powerpoint/2015/09/main">
+    <mc:Choice Requires="p159">
+      <p:transition xmlns:p14="http://schemas.microsoft.com/office/powerpoint/2010/main" p14:dur="250">
+        <p159:morph option="byWord"/>
+      </p:transition>
+    </mc:Choice>
+    <mc:Fallback xmlns="">
+      <p:transition>
+        <p:fade/>
+      </p:transition>
+    </mc:Fallback>
+  </mc:AlternateContent>
+</p:sld>
+</file>
+
+<file path=ppt/slides/slide24.xml><?xml version="1.0" encoding="utf-8"?>
+<p:sld xmlns:a="http://schemas.openxmlformats.org/drawingml/2006/main" xmlns:r="http://schemas.openxmlformats.org/officeDocument/2006/relationships" xmlns:p="http://schemas.openxmlformats.org/presentationml/2006/main">
+  <p:cSld>
+    <p:spTree>
+      <p:nvGrpSpPr>
+        <p:cNvPr id="1" name=""/>
+        <p:cNvGrpSpPr/>
+        <p:nvPr/>
+      </p:nvGrpSpPr>
+      <p:grpSpPr>
+        <a:xfrm>
+          <a:off x="0" y="0"/>
+          <a:ext cx="0" cy="0"/>
+          <a:chOff x="0" y="0"/>
+          <a:chExt cx="0" cy="0"/>
+        </a:xfrm>
+      </p:grpSpPr>
+      <p:sp>
+        <p:nvSpPr>
+          <p:cNvPr id="2" name="Título 1">
+            <a:extLst>
+              <a:ext uri="{FF2B5EF4-FFF2-40B4-BE49-F238E27FC236}">
+                <a16:creationId xmlns:a16="http://schemas.microsoft.com/office/drawing/2014/main" id="{CB62B9E9-0D50-4AD2-9915-759A37C90587}"/>
+              </a:ext>
+            </a:extLst>
+          </p:cNvPr>
+          <p:cNvSpPr>
+            <a:spLocks noGrp="1"/>
+          </p:cNvSpPr>
+          <p:nvPr>
+            <p:ph type="title"/>
+          </p:nvPr>
+        </p:nvSpPr>
+        <p:spPr/>
+        <p:txBody>
+          <a:bodyPr/>
+          <a:lstStyle/>
+          <a:p>
+            <a:r>
+              <a:rPr lang="en-US" dirty="0"/>
+              <a:t>Obrigado</a:t>
+            </a:r>
+          </a:p>
+        </p:txBody>
+      </p:sp>
+      <p:sp>
+        <p:nvSpPr>
+          <p:cNvPr id="9" name="Retângulo 8">
+            <a:extLst>
+              <a:ext uri="{FF2B5EF4-FFF2-40B4-BE49-F238E27FC236}">
+                <a16:creationId xmlns:a16="http://schemas.microsoft.com/office/drawing/2014/main" id="{87DCF375-DA0F-4E0E-9C96-72EB4F2C0895}"/>
+              </a:ext>
+            </a:extLst>
+          </p:cNvPr>
+          <p:cNvSpPr/>
+          <p:nvPr/>
+        </p:nvSpPr>
+        <p:spPr>
+          <a:xfrm>
+            <a:off x="948597" y="2003137"/>
+            <a:ext cx="10294806" cy="584775"/>
+          </a:xfrm>
+          <a:prstGeom prst="rect">
+            <a:avLst/>
+          </a:prstGeom>
+        </p:spPr>
+        <p:txBody>
+          <a:bodyPr wrap="none">
+            <a:spAutoFit/>
+          </a:bodyPr>
+          <a:lstStyle/>
+          <a:p>
+            <a:r>
+              <a:rPr lang="en-US" sz="3200" dirty="0"/>
+              <a:t>http://aka.ms/2018GlobalOffice365DevBootcampSurvey</a:t>
+            </a:r>
+            <a:endParaRPr lang="pt-PT" sz="3200" dirty="0"/>
+          </a:p>
+        </p:txBody>
+      </p:sp>
+      <p:pic>
+        <p:nvPicPr>
+          <p:cNvPr id="4" name="Imagem 3">
+            <a:extLst>
+              <a:ext uri="{FF2B5EF4-FFF2-40B4-BE49-F238E27FC236}">
+                <a16:creationId xmlns:a16="http://schemas.microsoft.com/office/drawing/2014/main" id="{693FB4F3-4AA0-41F8-95A6-1CD194EDB1B3}"/>
+              </a:ext>
+            </a:extLst>
+          </p:cNvPr>
+          <p:cNvPicPr>
+            <a:picLocks noChangeAspect="1"/>
+          </p:cNvPicPr>
+          <p:nvPr/>
+        </p:nvPicPr>
+        <p:blipFill>
+          <a:blip r:embed="rId3">
+            <a:extLst>
+              <a:ext uri="{28A0092B-C50C-407E-A947-70E740481C1C}">
+                <a14:useLocalDpi xmlns:a14="http://schemas.microsoft.com/office/drawing/2010/main" val="0"/>
+              </a:ext>
+            </a:extLst>
+          </a:blip>
+          <a:stretch>
+            <a:fillRect/>
+          </a:stretch>
+        </p:blipFill>
+        <p:spPr>
+          <a:xfrm>
+            <a:off x="4585658" y="3574211"/>
+            <a:ext cx="3020683" cy="3020683"/>
+          </a:xfrm>
+          <a:prstGeom prst="rect">
+            <a:avLst/>
+          </a:prstGeom>
+        </p:spPr>
+      </p:pic>
+    </p:spTree>
+    <p:extLst>
+      <p:ext uri="{BB962C8B-B14F-4D97-AF65-F5344CB8AC3E}">
+        <p14:creationId xmlns:p14="http://schemas.microsoft.com/office/powerpoint/2010/main" val="4150081116"/>
+      </p:ext>
+    </p:extLst>
+  </p:cSld>
+  <p:clrMapOvr>
+    <a:masterClrMapping/>
+  </p:clrMapOvr>
+  <mc:AlternateContent xmlns:mc="http://schemas.openxmlformats.org/markup-compatibility/2006" xmlns:p159="http://schemas.microsoft.com/office/powerpoint/2015/09/main">
+    <mc:Choice Requires="p159">
+      <p:transition xmlns:p14="http://schemas.microsoft.com/office/powerpoint/2010/main" p14:dur="250">
+        <p159:morph option="byWord"/>
+      </p:transition>
+    </mc:Choice>
+    <mc:Fallback xmlns="">
       <p:transition>
         <p:fade/>
       </p:transition>
@@ -25347,13 +26016,13 @@
   <p:clrMapOvr>
     <a:masterClrMapping/>
   </p:clrMapOvr>
-  <mc:AlternateContent xmlns:mc="http://schemas.openxmlformats.org/markup-compatibility/2006">
-    <mc:Choice xmlns:p159="http://schemas.microsoft.com/office/powerpoint/2015/09/main" Requires="p159">
+  <mc:AlternateContent xmlns:mc="http://schemas.openxmlformats.org/markup-compatibility/2006" xmlns:p159="http://schemas.microsoft.com/office/powerpoint/2015/09/main">
+    <mc:Choice Requires="p159">
       <p:transition xmlns:p14="http://schemas.microsoft.com/office/powerpoint/2010/main" p14:dur="250">
         <p159:morph option="byWord"/>
       </p:transition>
     </mc:Choice>
-    <mc:Fallback>
+    <mc:Fallback xmlns="">
       <p:transition>
         <p:fade/>
       </p:transition>
@@ -26099,13 +26768,13 @@
   <p:clrMapOvr>
     <a:masterClrMapping/>
   </p:clrMapOvr>
-  <mc:AlternateContent xmlns:mc="http://schemas.openxmlformats.org/markup-compatibility/2006">
-    <mc:Choice xmlns:p159="http://schemas.microsoft.com/office/powerpoint/2015/09/main" Requires="p159">
+  <mc:AlternateContent xmlns:mc="http://schemas.openxmlformats.org/markup-compatibility/2006" xmlns:p159="http://schemas.microsoft.com/office/powerpoint/2015/09/main">
+    <mc:Choice Requires="p159">
       <p:transition xmlns:p14="http://schemas.microsoft.com/office/powerpoint/2010/main" p14:dur="250">
         <p159:morph option="byWord"/>
       </p:transition>
     </mc:Choice>
-    <mc:Fallback>
+    <mc:Fallback xmlns="">
       <p:transition>
         <p:fade/>
       </p:transition>
@@ -26427,13 +27096,13 @@
   <p:clrMapOvr>
     <a:masterClrMapping/>
   </p:clrMapOvr>
-  <mc:AlternateContent xmlns:mc="http://schemas.openxmlformats.org/markup-compatibility/2006">
-    <mc:Choice xmlns:p159="http://schemas.microsoft.com/office/powerpoint/2015/09/main" Requires="p159">
+  <mc:AlternateContent xmlns:mc="http://schemas.openxmlformats.org/markup-compatibility/2006" xmlns:p159="http://schemas.microsoft.com/office/powerpoint/2015/09/main">
+    <mc:Choice Requires="p159">
       <p:transition xmlns:p14="http://schemas.microsoft.com/office/powerpoint/2010/main" p14:dur="250">
         <p159:morph option="byWord"/>
       </p:transition>
     </mc:Choice>
-    <mc:Fallback>
+    <mc:Fallback xmlns="">
       <p:transition>
         <p:fade/>
       </p:transition>
@@ -26727,13 +27396,13 @@
   <p:clrMapOvr>
     <a:masterClrMapping/>
   </p:clrMapOvr>
-  <mc:AlternateContent xmlns:mc="http://schemas.openxmlformats.org/markup-compatibility/2006">
-    <mc:Choice xmlns:p159="http://schemas.microsoft.com/office/powerpoint/2015/09/main" Requires="p159">
+  <mc:AlternateContent xmlns:mc="http://schemas.openxmlformats.org/markup-compatibility/2006" xmlns:p159="http://schemas.microsoft.com/office/powerpoint/2015/09/main">
+    <mc:Choice Requires="p159">
       <p:transition xmlns:p14="http://schemas.microsoft.com/office/powerpoint/2010/main" p14:dur="250">
         <p159:morph option="byWord"/>
       </p:transition>
     </mc:Choice>
-    <mc:Fallback>
+    <mc:Fallback xmlns="">
       <p:transition>
         <p:fade/>
       </p:transition>
@@ -26955,13 +27624,13 @@
   <p:clrMapOvr>
     <a:masterClrMapping/>
   </p:clrMapOvr>
-  <mc:AlternateContent xmlns:mc="http://schemas.openxmlformats.org/markup-compatibility/2006">
-    <mc:Choice xmlns:p159="http://schemas.microsoft.com/office/powerpoint/2015/09/main" Requires="p159">
+  <mc:AlternateContent xmlns:mc="http://schemas.openxmlformats.org/markup-compatibility/2006" xmlns:p159="http://schemas.microsoft.com/office/powerpoint/2015/09/main">
+    <mc:Choice Requires="p159">
       <p:transition xmlns:p14="http://schemas.microsoft.com/office/powerpoint/2010/main" p14:dur="250">
         <p159:morph option="byWord"/>
       </p:transition>
     </mc:Choice>
-    <mc:Fallback>
+    <mc:Fallback xmlns="">
       <p:transition>
         <p:fade/>
       </p:transition>
@@ -27253,13 +27922,13 @@
   <p:clrMapOvr>
     <a:masterClrMapping/>
   </p:clrMapOvr>
-  <mc:AlternateContent xmlns:mc="http://schemas.openxmlformats.org/markup-compatibility/2006">
-    <mc:Choice xmlns:p159="http://schemas.microsoft.com/office/powerpoint/2015/09/main" Requires="p159">
+  <mc:AlternateContent xmlns:mc="http://schemas.openxmlformats.org/markup-compatibility/2006" xmlns:p159="http://schemas.microsoft.com/office/powerpoint/2015/09/main">
+    <mc:Choice Requires="p159">
       <p:transition xmlns:p14="http://schemas.microsoft.com/office/powerpoint/2010/main" p14:dur="250">
         <p159:morph option="byWord"/>
       </p:transition>
     </mc:Choice>
-    <mc:Fallback>
+    <mc:Fallback xmlns="">
       <p:transition>
         <p:fade/>
       </p:transition>
@@ -27777,13 +28446,13 @@
   <p:clrMapOvr>
     <a:masterClrMapping/>
   </p:clrMapOvr>
-  <mc:AlternateContent xmlns:mc="http://schemas.openxmlformats.org/markup-compatibility/2006">
-    <mc:Choice xmlns:p159="http://schemas.microsoft.com/office/powerpoint/2015/09/main" Requires="p159">
+  <mc:AlternateContent xmlns:mc="http://schemas.openxmlformats.org/markup-compatibility/2006" xmlns:p159="http://schemas.microsoft.com/office/powerpoint/2015/09/main">
+    <mc:Choice Requires="p159">
       <p:transition xmlns:p14="http://schemas.microsoft.com/office/powerpoint/2010/main" p14:dur="250">
         <p159:morph option="byWord"/>
       </p:transition>
     </mc:Choice>
-    <mc:Fallback>
+    <mc:Fallback xmlns="">
       <p:transition>
         <p:fade/>
       </p:transition>
